--- a/presentation/聊一聊SpringMVC原理？/（二）传统MVC与SpringMVC.pptx
+++ b/presentation/聊一聊SpringMVC原理？/（二）传统MVC与SpringMVC.pptx
@@ -5,12 +5,13 @@
     <p:sldMasterId id="2147483648" r:id="rId1"/>
   </p:sldMasterIdLst>
   <p:notesMasterIdLst>
-    <p:notesMasterId r:id="rId5"/>
+    <p:notesMasterId r:id="rId6"/>
   </p:notesMasterIdLst>
   <p:sldIdLst>
     <p:sldId id="288" r:id="rId2"/>
     <p:sldId id="287" r:id="rId3"/>
     <p:sldId id="286" r:id="rId4"/>
+    <p:sldId id="289" r:id="rId5"/>
   </p:sldIdLst>
   <p:sldSz cx="9144000" cy="5143500" type="screen16x9"/>
   <p:notesSz cx="6858000" cy="9144000"/>
@@ -210,7 +211,7 @@
           <a:p>
             <a:fld id="{D2A48B96-639E-45A3-A0BA-2464DFDB1FAA}" type="datetimeFigureOut">
               <a:rPr lang="zh-CN" altLang="en-US" smtClean="0"/>
-              <a:t>2024-03-21</a:t>
+              <a:t>2024-03-22</a:t>
             </a:fld>
             <a:endParaRPr lang="zh-CN" altLang="en-US"/>
           </a:p>
@@ -729,6 +730,90 @@
 </p:notes>
 </file>
 
+<file path=ppt/notesSlides/notesSlide4.xml><?xml version="1.0" encoding="utf-8"?>
+<p:notes xmlns:a="http://schemas.openxmlformats.org/drawingml/2006/main" xmlns:r="http://schemas.openxmlformats.org/officeDocument/2006/relationships" xmlns:p="http://schemas.openxmlformats.org/presentationml/2006/main">
+  <p:cSld>
+    <p:spTree>
+      <p:nvGrpSpPr>
+        <p:cNvPr id="1" name=""/>
+        <p:cNvGrpSpPr/>
+        <p:nvPr/>
+      </p:nvGrpSpPr>
+      <p:grpSpPr>
+        <a:xfrm>
+          <a:off x="0" y="0"/>
+          <a:ext cx="0" cy="0"/>
+          <a:chOff x="0" y="0"/>
+          <a:chExt cx="0" cy="0"/>
+        </a:xfrm>
+      </p:grpSpPr>
+      <p:sp>
+        <p:nvSpPr>
+          <p:cNvPr id="2" name="幻灯片图像占位符 1"/>
+          <p:cNvSpPr>
+            <a:spLocks noGrp="1" noRot="1" noChangeAspect="1"/>
+          </p:cNvSpPr>
+          <p:nvPr>
+            <p:ph type="sldImg"/>
+          </p:nvPr>
+        </p:nvSpPr>
+        <p:spPr/>
+      </p:sp>
+      <p:sp>
+        <p:nvSpPr>
+          <p:cNvPr id="3" name="备注占位符 2"/>
+          <p:cNvSpPr>
+            <a:spLocks noGrp="1"/>
+          </p:cNvSpPr>
+          <p:nvPr>
+            <p:ph type="body" idx="1"/>
+          </p:nvPr>
+        </p:nvSpPr>
+        <p:spPr/>
+        <p:txBody>
+          <a:bodyPr/>
+          <a:lstStyle/>
+          <a:p>
+            <a:endParaRPr lang="zh-CN" altLang="en-US" dirty="0"/>
+          </a:p>
+        </p:txBody>
+      </p:sp>
+      <p:sp>
+        <p:nvSpPr>
+          <p:cNvPr id="4" name="灯片编号占位符 3"/>
+          <p:cNvSpPr>
+            <a:spLocks noGrp="1"/>
+          </p:cNvSpPr>
+          <p:nvPr>
+            <p:ph type="sldNum" sz="quarter" idx="5"/>
+          </p:nvPr>
+        </p:nvSpPr>
+        <p:spPr/>
+        <p:txBody>
+          <a:bodyPr/>
+          <a:lstStyle/>
+          <a:p>
+            <a:fld id="{A6837353-30EB-4A48-80EB-173D804AEFBD}" type="slidenum">
+              <a:rPr lang="zh-CN" altLang="en-US" smtClean="0"/>
+              <a:t>4</a:t>
+            </a:fld>
+            <a:endParaRPr lang="zh-CN" altLang="en-US"/>
+          </a:p>
+        </p:txBody>
+      </p:sp>
+    </p:spTree>
+    <p:extLst>
+      <p:ext uri="{BB962C8B-B14F-4D97-AF65-F5344CB8AC3E}">
+        <p14:creationId xmlns:p14="http://schemas.microsoft.com/office/powerpoint/2010/main" val="3732818132"/>
+      </p:ext>
+    </p:extLst>
+  </p:cSld>
+  <p:clrMapOvr>
+    <a:masterClrMapping/>
+  </p:clrMapOvr>
+</p:notes>
+</file>
+
 <file path=ppt/slideLayouts/slideLayout1.xml><?xml version="1.0" encoding="utf-8"?>
 <p:sldLayout xmlns:a="http://schemas.openxmlformats.org/drawingml/2006/main" xmlns:r="http://schemas.openxmlformats.org/officeDocument/2006/relationships" xmlns:p="http://schemas.openxmlformats.org/presentationml/2006/main" preserve="1" userDrawn="1">
   <p:cSld name="标题幻灯片">
@@ -773,7 +858,7 @@
           <a:p>
             <a:fld id="{8035C5D1-AD16-4B01-871F-DE047A6CFB67}" type="datetimeFigureOut">
               <a:rPr lang="zh-CN" altLang="en-US" smtClean="0"/>
-              <a:t>2024-03-21</a:t>
+              <a:t>2024-03-22</a:t>
             </a:fld>
             <a:endParaRPr lang="zh-CN" altLang="en-US"/>
           </a:p>
@@ -885,7 +970,7 @@
           <a:p>
             <a:fld id="{8035C5D1-AD16-4B01-871F-DE047A6CFB67}" type="datetimeFigureOut">
               <a:rPr lang="zh-CN" altLang="en-US" smtClean="0"/>
-              <a:t>2024-03-21</a:t>
+              <a:t>2024-03-22</a:t>
             </a:fld>
             <a:endParaRPr lang="zh-CN" altLang="en-US"/>
           </a:p>
@@ -1002,7 +1087,7 @@
           <a:p>
             <a:fld id="{8035C5D1-AD16-4B01-871F-DE047A6CFB67}" type="datetimeFigureOut">
               <a:rPr lang="zh-CN" altLang="en-US" smtClean="0"/>
-              <a:t>2024-03-21</a:t>
+              <a:t>2024-03-22</a:t>
             </a:fld>
             <a:endParaRPr lang="zh-CN" altLang="en-US"/>
           </a:p>
@@ -1119,7 +1204,7 @@
           <a:p>
             <a:fld id="{8035C5D1-AD16-4B01-871F-DE047A6CFB67}" type="datetimeFigureOut">
               <a:rPr lang="zh-CN" altLang="en-US" smtClean="0"/>
-              <a:t>2024-03-21</a:t>
+              <a:t>2024-03-22</a:t>
             </a:fld>
             <a:endParaRPr lang="zh-CN" altLang="en-US"/>
           </a:p>
@@ -1236,7 +1321,7 @@
           <a:p>
             <a:fld id="{8035C5D1-AD16-4B01-871F-DE047A6CFB67}" type="datetimeFigureOut">
               <a:rPr lang="zh-CN" altLang="en-US" smtClean="0"/>
-              <a:t>2024-03-21</a:t>
+              <a:t>2024-03-22</a:t>
             </a:fld>
             <a:endParaRPr lang="zh-CN" altLang="en-US"/>
           </a:p>
@@ -1353,7 +1438,7 @@
           <a:p>
             <a:fld id="{8035C5D1-AD16-4B01-871F-DE047A6CFB67}" type="datetimeFigureOut">
               <a:rPr lang="zh-CN" altLang="en-US" smtClean="0"/>
-              <a:t>2024-03-21</a:t>
+              <a:t>2024-03-22</a:t>
             </a:fld>
             <a:endParaRPr lang="zh-CN" altLang="en-US"/>
           </a:p>
@@ -1470,7 +1555,7 @@
           <a:p>
             <a:fld id="{8035C5D1-AD16-4B01-871F-DE047A6CFB67}" type="datetimeFigureOut">
               <a:rPr lang="zh-CN" altLang="en-US" smtClean="0"/>
-              <a:t>2024-03-21</a:t>
+              <a:t>2024-03-22</a:t>
             </a:fld>
             <a:endParaRPr lang="zh-CN" altLang="en-US"/>
           </a:p>
@@ -2602,7 +2687,7 @@
           <a:p>
             <a:fld id="{8035C5D1-AD16-4B01-871F-DE047A6CFB67}" type="datetimeFigureOut">
               <a:rPr lang="zh-CN" altLang="en-US" smtClean="0"/>
-              <a:t>2024-03-21</a:t>
+              <a:t>2024-03-22</a:t>
             </a:fld>
             <a:endParaRPr lang="zh-CN" altLang="en-US"/>
           </a:p>
@@ -3281,8 +3366,8 @@
         </p:nvSpPr>
         <p:spPr>
           <a:xfrm>
-            <a:off x="641056" y="1131590"/>
-            <a:ext cx="4572000" cy="923330"/>
+            <a:off x="978403" y="987574"/>
+            <a:ext cx="4572000" cy="1294585"/>
           </a:xfrm>
           <a:prstGeom prst="rect">
             <a:avLst/>
@@ -3296,6 +3381,9 @@
           <a:lstStyle/>
           <a:p>
             <a:pPr marL="0" algn="l" rtl="0" eaLnBrk="1" latinLnBrk="0" hangingPunct="1">
+              <a:lnSpc>
+                <a:spcPct val="150000"/>
+              </a:lnSpc>
               <a:spcBef>
                 <a:spcPts val="0"/>
               </a:spcBef>
@@ -3316,11 +3404,14 @@
                 <a:ea typeface="微软雅黑" panose="020B0503020204020204" pitchFamily="34" charset="-122"/>
                 <a:cs typeface="+mn-cs"/>
               </a:rPr>
-              <a:t>M</a:t>
+              <a:t>M    Model</a:t>
             </a:r>
           </a:p>
           <a:p>
             <a:pPr marL="0" algn="l" rtl="0" eaLnBrk="1" latinLnBrk="0" hangingPunct="1">
+              <a:lnSpc>
+                <a:spcPct val="150000"/>
+              </a:lnSpc>
               <a:spcBef>
                 <a:spcPts val="0"/>
               </a:spcBef>
@@ -3336,11 +3427,14 @@
                 <a:latin typeface="微软雅黑" panose="020B0503020204020204" pitchFamily="34" charset="-122"/>
                 <a:ea typeface="微软雅黑" panose="020B0503020204020204" pitchFamily="34" charset="-122"/>
               </a:rPr>
-              <a:t>V</a:t>
+              <a:t>V     View</a:t>
             </a:r>
           </a:p>
           <a:p>
             <a:pPr marL="0" algn="l" rtl="0" eaLnBrk="1" latinLnBrk="0" hangingPunct="1">
+              <a:lnSpc>
+                <a:spcPct val="150000"/>
+              </a:lnSpc>
               <a:spcBef>
                 <a:spcPts val="0"/>
               </a:spcBef>
@@ -3357,7 +3451,7 @@
                 <a:latin typeface="微软雅黑" panose="020B0503020204020204" pitchFamily="34" charset="-122"/>
                 <a:ea typeface="微软雅黑" panose="020B0503020204020204" pitchFamily="34" charset="-122"/>
               </a:rPr>
-              <a:t>C</a:t>
+              <a:t>C     Controller</a:t>
             </a:r>
             <a:endParaRPr lang="zh-CN" altLang="zh-CN" dirty="0">
               <a:effectLst/>
@@ -3365,6 +3459,53 @@
           </a:p>
         </p:txBody>
       </p:sp>
+      <p:pic>
+        <p:nvPicPr>
+          <p:cNvPr id="1026" name="Picture 2">
+            <a:extLst>
+              <a:ext uri="{FF2B5EF4-FFF2-40B4-BE49-F238E27FC236}">
+                <a16:creationId xmlns:a16="http://schemas.microsoft.com/office/drawing/2014/main" id="{845F3649-40E9-4A0D-93E1-930DE3458927}"/>
+              </a:ext>
+            </a:extLst>
+          </p:cNvPr>
+          <p:cNvPicPr>
+            <a:picLocks noChangeAspect="1" noChangeArrowheads="1"/>
+          </p:cNvPicPr>
+          <p:nvPr/>
+        </p:nvPicPr>
+        <p:blipFill>
+          <a:blip r:embed="rId3" cstate="print">
+            <a:extLst>
+              <a:ext uri="{28A0092B-C50C-407E-A947-70E740481C1C}">
+                <a14:useLocalDpi xmlns:a14="http://schemas.microsoft.com/office/drawing/2010/main" val="0"/>
+              </a:ext>
+            </a:extLst>
+          </a:blip>
+          <a:srcRect/>
+          <a:stretch>
+            <a:fillRect/>
+          </a:stretch>
+        </p:blipFill>
+        <p:spPr bwMode="auto">
+          <a:xfrm>
+            <a:off x="3779912" y="699542"/>
+            <a:ext cx="3819525" cy="4010025"/>
+          </a:xfrm>
+          <a:prstGeom prst="rect">
+            <a:avLst/>
+          </a:prstGeom>
+          <a:noFill/>
+          <a:extLst>
+            <a:ext uri="{909E8E84-426E-40DD-AFC4-6F175D3DCCD1}">
+              <a14:hiddenFill xmlns:a14="http://schemas.microsoft.com/office/drawing/2010/main">
+                <a:solidFill>
+                  <a:srgbClr val="FFFFFF"/>
+                </a:solidFill>
+              </a14:hiddenFill>
+            </a:ext>
+          </a:extLst>
+        </p:spPr>
+      </p:pic>
     </p:spTree>
     <p:extLst>
       <p:ext uri="{BB962C8B-B14F-4D97-AF65-F5344CB8AC3E}">
@@ -4118,6 +4259,759 @@
         </p:spPr>
       </p:pic>
     </p:spTree>
+  </p:cSld>
+  <p:clrMapOvr>
+    <a:masterClrMapping/>
+  </p:clrMapOvr>
+</p:sld>
+</file>
+
+<file path=ppt/slides/slide4.xml><?xml version="1.0" encoding="utf-8"?>
+<p:sld xmlns:a="http://schemas.openxmlformats.org/drawingml/2006/main" xmlns:r="http://schemas.openxmlformats.org/officeDocument/2006/relationships" xmlns:p="http://schemas.openxmlformats.org/presentationml/2006/main">
+  <p:cSld>
+    <p:spTree>
+      <p:nvGrpSpPr>
+        <p:cNvPr id="1" name=""/>
+        <p:cNvGrpSpPr/>
+        <p:nvPr/>
+      </p:nvGrpSpPr>
+      <p:grpSpPr>
+        <a:xfrm>
+          <a:off x="0" y="0"/>
+          <a:ext cx="0" cy="0"/>
+          <a:chOff x="0" y="0"/>
+          <a:chExt cx="0" cy="0"/>
+        </a:xfrm>
+      </p:grpSpPr>
+      <p:sp>
+        <p:nvSpPr>
+          <p:cNvPr id="47" name="Rectangle 39"/>
+          <p:cNvSpPr>
+            <a:spLocks noChangeArrowheads="1"/>
+          </p:cNvSpPr>
+          <p:nvPr/>
+        </p:nvSpPr>
+        <p:spPr bwMode="auto">
+          <a:xfrm>
+            <a:off x="416159" y="278281"/>
+            <a:ext cx="2778059" cy="307872"/>
+          </a:xfrm>
+          <a:prstGeom prst="rect">
+            <a:avLst/>
+          </a:prstGeom>
+          <a:noFill/>
+          <a:ln>
+            <a:noFill/>
+          </a:ln>
+          <a:extLst>
+            <a:ext uri="{909E8E84-426E-40DD-AFC4-6F175D3DCCD1}">
+              <a14:hiddenFill xmlns:a14="http://schemas.microsoft.com/office/drawing/2010/main">
+                <a:solidFill>
+                  <a:srgbClr val="FFFFFF"/>
+                </a:solidFill>
+              </a14:hiddenFill>
+            </a:ext>
+            <a:ext uri="{91240B29-F687-4F45-9708-019B960494DF}">
+              <a14:hiddenLine xmlns:a14="http://schemas.microsoft.com/office/drawing/2010/main" w="9525">
+                <a:solidFill>
+                  <a:srgbClr val="000000"/>
+                </a:solidFill>
+                <a:miter lim="800000"/>
+                <a:headEnd/>
+                <a:tailEnd/>
+              </a14:hiddenLine>
+            </a:ext>
+          </a:extLst>
+        </p:spPr>
+        <p:txBody>
+          <a:bodyPr wrap="square" lIns="0" tIns="0" rIns="0" bIns="0">
+            <a:spAutoFit/>
+          </a:bodyPr>
+          <a:lstStyle/>
+          <a:p>
+            <a:pPr>
+              <a:buFont typeface="Arial" pitchFamily="34" charset="0"/>
+              <a:buNone/>
+            </a:pPr>
+            <a:r>
+              <a:rPr lang="zh-CN" altLang="en-US" sz="2000" dirty="0">
+                <a:solidFill>
+                  <a:schemeClr val="accent1"/>
+                </a:solidFill>
+                <a:latin typeface="微软雅黑" pitchFamily="34" charset="-122"/>
+                <a:ea typeface="微软雅黑" pitchFamily="34" charset="-122"/>
+              </a:rPr>
+              <a:t>传统</a:t>
+            </a:r>
+            <a:r>
+              <a:rPr lang="en-US" altLang="zh-CN" sz="2000" dirty="0">
+                <a:solidFill>
+                  <a:schemeClr val="accent1"/>
+                </a:solidFill>
+                <a:latin typeface="微软雅黑" pitchFamily="34" charset="-122"/>
+                <a:ea typeface="微软雅黑" pitchFamily="34" charset="-122"/>
+              </a:rPr>
+              <a:t>MVC</a:t>
+            </a:r>
+            <a:r>
+              <a:rPr lang="zh-CN" altLang="en-US" sz="2000" dirty="0">
+                <a:solidFill>
+                  <a:schemeClr val="accent1"/>
+                </a:solidFill>
+                <a:latin typeface="微软雅黑" pitchFamily="34" charset="-122"/>
+                <a:ea typeface="微软雅黑" pitchFamily="34" charset="-122"/>
+              </a:rPr>
+              <a:t>与</a:t>
+            </a:r>
+            <a:r>
+              <a:rPr lang="en-US" altLang="zh-CN" sz="2000" dirty="0" err="1">
+                <a:solidFill>
+                  <a:schemeClr val="accent1"/>
+                </a:solidFill>
+                <a:latin typeface="微软雅黑" pitchFamily="34" charset="-122"/>
+                <a:ea typeface="微软雅黑" pitchFamily="34" charset="-122"/>
+              </a:rPr>
+              <a:t>SpringMVC</a:t>
+            </a:r>
+            <a:endParaRPr lang="en-US" altLang="zh-CN" sz="2000" dirty="0">
+              <a:solidFill>
+                <a:schemeClr val="accent1"/>
+              </a:solidFill>
+              <a:latin typeface="微软雅黑" pitchFamily="34" charset="-122"/>
+              <a:ea typeface="微软雅黑" pitchFamily="34" charset="-122"/>
+            </a:endParaRPr>
+          </a:p>
+        </p:txBody>
+      </p:sp>
+      <p:grpSp>
+        <p:nvGrpSpPr>
+          <p:cNvPr id="48" name="组合 47"/>
+          <p:cNvGrpSpPr/>
+          <p:nvPr/>
+        </p:nvGrpSpPr>
+        <p:grpSpPr>
+          <a:xfrm>
+            <a:off x="416158" y="699542"/>
+            <a:ext cx="899592" cy="56017"/>
+            <a:chOff x="0" y="2842590"/>
+            <a:chExt cx="7054752" cy="89199"/>
+          </a:xfrm>
+        </p:grpSpPr>
+        <p:sp>
+          <p:nvSpPr>
+            <p:cNvPr id="49" name="矩形 48"/>
+            <p:cNvSpPr/>
+            <p:nvPr/>
+          </p:nvSpPr>
+          <p:spPr>
+            <a:xfrm>
+              <a:off x="0" y="2842590"/>
+              <a:ext cx="1763688" cy="89199"/>
+            </a:xfrm>
+            <a:prstGeom prst="rect">
+              <a:avLst/>
+            </a:prstGeom>
+            <a:solidFill>
+              <a:schemeClr val="accent1"/>
+            </a:solidFill>
+            <a:ln>
+              <a:noFill/>
+            </a:ln>
+          </p:spPr>
+          <p:style>
+            <a:lnRef idx="2">
+              <a:schemeClr val="accent1">
+                <a:shade val="50000"/>
+              </a:schemeClr>
+            </a:lnRef>
+            <a:fillRef idx="1">
+              <a:schemeClr val="accent1"/>
+            </a:fillRef>
+            <a:effectRef idx="0">
+              <a:schemeClr val="accent1"/>
+            </a:effectRef>
+            <a:fontRef idx="minor">
+              <a:schemeClr val="lt1"/>
+            </a:fontRef>
+          </p:style>
+          <p:txBody>
+            <a:bodyPr rtlCol="0" anchor="ctr"/>
+            <a:lstStyle/>
+            <a:p>
+              <a:pPr algn="ctr"/>
+              <a:endParaRPr lang="zh-CN" altLang="en-US"/>
+            </a:p>
+          </p:txBody>
+        </p:sp>
+        <p:sp>
+          <p:nvSpPr>
+            <p:cNvPr id="50" name="矩形 49"/>
+            <p:cNvSpPr/>
+            <p:nvPr/>
+          </p:nvSpPr>
+          <p:spPr>
+            <a:xfrm>
+              <a:off x="1763688" y="2842590"/>
+              <a:ext cx="1763688" cy="89199"/>
+            </a:xfrm>
+            <a:prstGeom prst="rect">
+              <a:avLst/>
+            </a:prstGeom>
+            <a:solidFill>
+              <a:schemeClr val="accent2"/>
+            </a:solidFill>
+            <a:ln>
+              <a:noFill/>
+            </a:ln>
+          </p:spPr>
+          <p:style>
+            <a:lnRef idx="2">
+              <a:schemeClr val="accent1">
+                <a:shade val="50000"/>
+              </a:schemeClr>
+            </a:lnRef>
+            <a:fillRef idx="1">
+              <a:schemeClr val="accent1"/>
+            </a:fillRef>
+            <a:effectRef idx="0">
+              <a:schemeClr val="accent1"/>
+            </a:effectRef>
+            <a:fontRef idx="minor">
+              <a:schemeClr val="lt1"/>
+            </a:fontRef>
+          </p:style>
+          <p:txBody>
+            <a:bodyPr rtlCol="0" anchor="ctr"/>
+            <a:lstStyle/>
+            <a:p>
+              <a:pPr algn="ctr"/>
+              <a:endParaRPr lang="zh-CN" altLang="en-US"/>
+            </a:p>
+          </p:txBody>
+        </p:sp>
+        <p:sp>
+          <p:nvSpPr>
+            <p:cNvPr id="51" name="矩形 50"/>
+            <p:cNvSpPr/>
+            <p:nvPr/>
+          </p:nvSpPr>
+          <p:spPr>
+            <a:xfrm>
+              <a:off x="3527376" y="2842590"/>
+              <a:ext cx="1763688" cy="89199"/>
+            </a:xfrm>
+            <a:prstGeom prst="rect">
+              <a:avLst/>
+            </a:prstGeom>
+            <a:solidFill>
+              <a:schemeClr val="accent3"/>
+            </a:solidFill>
+            <a:ln>
+              <a:noFill/>
+            </a:ln>
+          </p:spPr>
+          <p:style>
+            <a:lnRef idx="2">
+              <a:schemeClr val="accent1">
+                <a:shade val="50000"/>
+              </a:schemeClr>
+            </a:lnRef>
+            <a:fillRef idx="1">
+              <a:schemeClr val="accent1"/>
+            </a:fillRef>
+            <a:effectRef idx="0">
+              <a:schemeClr val="accent1"/>
+            </a:effectRef>
+            <a:fontRef idx="minor">
+              <a:schemeClr val="lt1"/>
+            </a:fontRef>
+          </p:style>
+          <p:txBody>
+            <a:bodyPr rtlCol="0" anchor="ctr"/>
+            <a:lstStyle/>
+            <a:p>
+              <a:pPr algn="ctr"/>
+              <a:endParaRPr lang="zh-CN" altLang="en-US"/>
+            </a:p>
+          </p:txBody>
+        </p:sp>
+        <p:sp>
+          <p:nvSpPr>
+            <p:cNvPr id="52" name="矩形 51"/>
+            <p:cNvSpPr/>
+            <p:nvPr/>
+          </p:nvSpPr>
+          <p:spPr>
+            <a:xfrm>
+              <a:off x="5291064" y="2842590"/>
+              <a:ext cx="1763688" cy="89199"/>
+            </a:xfrm>
+            <a:prstGeom prst="rect">
+              <a:avLst/>
+            </a:prstGeom>
+            <a:solidFill>
+              <a:schemeClr val="accent4"/>
+            </a:solidFill>
+            <a:ln>
+              <a:noFill/>
+            </a:ln>
+          </p:spPr>
+          <p:style>
+            <a:lnRef idx="2">
+              <a:schemeClr val="accent1">
+                <a:shade val="50000"/>
+              </a:schemeClr>
+            </a:lnRef>
+            <a:fillRef idx="1">
+              <a:schemeClr val="accent1"/>
+            </a:fillRef>
+            <a:effectRef idx="0">
+              <a:schemeClr val="accent1"/>
+            </a:effectRef>
+            <a:fontRef idx="minor">
+              <a:schemeClr val="lt1"/>
+            </a:fontRef>
+          </p:style>
+          <p:txBody>
+            <a:bodyPr rtlCol="0" anchor="ctr"/>
+            <a:lstStyle/>
+            <a:p>
+              <a:pPr algn="ctr"/>
+              <a:endParaRPr lang="zh-CN" altLang="en-US"/>
+            </a:p>
+          </p:txBody>
+        </p:sp>
+      </p:grpSp>
+      <p:pic>
+        <p:nvPicPr>
+          <p:cNvPr id="9" name="Picture 2">
+            <a:extLst>
+              <a:ext uri="{FF2B5EF4-FFF2-40B4-BE49-F238E27FC236}">
+                <a16:creationId xmlns:a16="http://schemas.microsoft.com/office/drawing/2014/main" id="{56E10CE9-FFE5-4F90-B5A0-0DFF3B0512D6}"/>
+              </a:ext>
+            </a:extLst>
+          </p:cNvPr>
+          <p:cNvPicPr>
+            <a:picLocks noChangeAspect="1" noChangeArrowheads="1"/>
+          </p:cNvPicPr>
+          <p:nvPr/>
+        </p:nvPicPr>
+        <p:blipFill>
+          <a:blip r:embed="rId3" cstate="print">
+            <a:extLst>
+              <a:ext uri="{28A0092B-C50C-407E-A947-70E740481C1C}">
+                <a14:useLocalDpi xmlns:a14="http://schemas.microsoft.com/office/drawing/2010/main" val="0"/>
+              </a:ext>
+            </a:extLst>
+          </a:blip>
+          <a:srcRect/>
+          <a:stretch>
+            <a:fillRect/>
+          </a:stretch>
+        </p:blipFill>
+        <p:spPr bwMode="auto">
+          <a:xfrm>
+            <a:off x="447258" y="1347614"/>
+            <a:ext cx="3357812" cy="3525284"/>
+          </a:xfrm>
+          <a:prstGeom prst="rect">
+            <a:avLst/>
+          </a:prstGeom>
+          <a:noFill/>
+          <a:extLst>
+            <a:ext uri="{909E8E84-426E-40DD-AFC4-6F175D3DCCD1}">
+              <a14:hiddenFill xmlns:a14="http://schemas.microsoft.com/office/drawing/2010/main">
+                <a:solidFill>
+                  <a:srgbClr val="FFFFFF"/>
+                </a:solidFill>
+              </a14:hiddenFill>
+            </a:ext>
+          </a:extLst>
+        </p:spPr>
+      </p:pic>
+      <p:pic>
+        <p:nvPicPr>
+          <p:cNvPr id="10" name="Picture 2">
+            <a:extLst>
+              <a:ext uri="{FF2B5EF4-FFF2-40B4-BE49-F238E27FC236}">
+                <a16:creationId xmlns:a16="http://schemas.microsoft.com/office/drawing/2014/main" id="{5B422499-7044-45F5-BC49-597175D4B06F}"/>
+              </a:ext>
+            </a:extLst>
+          </p:cNvPr>
+          <p:cNvPicPr>
+            <a:picLocks noChangeAspect="1" noChangeArrowheads="1"/>
+          </p:cNvPicPr>
+          <p:nvPr/>
+        </p:nvPicPr>
+        <p:blipFill>
+          <a:blip r:embed="rId4" cstate="print">
+            <a:extLst>
+              <a:ext uri="{28A0092B-C50C-407E-A947-70E740481C1C}">
+                <a14:useLocalDpi xmlns:a14="http://schemas.microsoft.com/office/drawing/2010/main" val="0"/>
+              </a:ext>
+            </a:extLst>
+          </a:blip>
+          <a:srcRect/>
+          <a:stretch>
+            <a:fillRect/>
+          </a:stretch>
+        </p:blipFill>
+        <p:spPr bwMode="auto">
+          <a:xfrm>
+            <a:off x="4860032" y="1005729"/>
+            <a:ext cx="3744416" cy="1515958"/>
+          </a:xfrm>
+          <a:prstGeom prst="rect">
+            <a:avLst/>
+          </a:prstGeom>
+          <a:noFill/>
+          <a:extLst>
+            <a:ext uri="{909E8E84-426E-40DD-AFC4-6F175D3DCCD1}">
+              <a14:hiddenFill xmlns:a14="http://schemas.microsoft.com/office/drawing/2010/main">
+                <a:solidFill>
+                  <a:srgbClr val="FFFFFF"/>
+                </a:solidFill>
+              </a14:hiddenFill>
+            </a:ext>
+          </a:extLst>
+        </p:spPr>
+      </p:pic>
+      <p:pic>
+        <p:nvPicPr>
+          <p:cNvPr id="11" name="Picture 2">
+            <a:extLst>
+              <a:ext uri="{FF2B5EF4-FFF2-40B4-BE49-F238E27FC236}">
+                <a16:creationId xmlns:a16="http://schemas.microsoft.com/office/drawing/2014/main" id="{7A25D569-63EC-4761-A898-BF8A3F23A074}"/>
+              </a:ext>
+            </a:extLst>
+          </p:cNvPr>
+          <p:cNvPicPr>
+            <a:picLocks noChangeAspect="1" noChangeArrowheads="1"/>
+          </p:cNvPicPr>
+          <p:nvPr/>
+        </p:nvPicPr>
+        <p:blipFill>
+          <a:blip r:embed="rId5" cstate="print">
+            <a:extLst>
+              <a:ext uri="{28A0092B-C50C-407E-A947-70E740481C1C}">
+                <a14:useLocalDpi xmlns:a14="http://schemas.microsoft.com/office/drawing/2010/main" val="0"/>
+              </a:ext>
+            </a:extLst>
+          </a:blip>
+          <a:srcRect/>
+          <a:stretch>
+            <a:fillRect/>
+          </a:stretch>
+        </p:blipFill>
+        <p:spPr bwMode="auto">
+          <a:xfrm>
+            <a:off x="4716016" y="2541226"/>
+            <a:ext cx="4371766" cy="2211710"/>
+          </a:xfrm>
+          <a:prstGeom prst="rect">
+            <a:avLst/>
+          </a:prstGeom>
+          <a:noFill/>
+          <a:extLst>
+            <a:ext uri="{909E8E84-426E-40DD-AFC4-6F175D3DCCD1}">
+              <a14:hiddenFill xmlns:a14="http://schemas.microsoft.com/office/drawing/2010/main">
+                <a:solidFill>
+                  <a:srgbClr val="FFFFFF"/>
+                </a:solidFill>
+              </a14:hiddenFill>
+            </a:ext>
+          </a:extLst>
+        </p:spPr>
+      </p:pic>
+      <p:cxnSp>
+        <p:nvCxnSpPr>
+          <p:cNvPr id="4" name="直接箭头连接符 3">
+            <a:extLst>
+              <a:ext uri="{FF2B5EF4-FFF2-40B4-BE49-F238E27FC236}">
+                <a16:creationId xmlns:a16="http://schemas.microsoft.com/office/drawing/2014/main" id="{384B79FE-8064-42F7-8FAE-6F39501CC9BB}"/>
+              </a:ext>
+            </a:extLst>
+          </p:cNvPr>
+          <p:cNvCxnSpPr>
+            <a:cxnSpLocks/>
+            <a:stCxn id="9" idx="3"/>
+            <a:endCxn id="10" idx="1"/>
+          </p:cNvCxnSpPr>
+          <p:nvPr/>
+        </p:nvCxnSpPr>
+        <p:spPr>
+          <a:xfrm flipV="1">
+            <a:off x="3805070" y="1763708"/>
+            <a:ext cx="1054962" cy="1346548"/>
+          </a:xfrm>
+          <a:prstGeom prst="straightConnector1">
+            <a:avLst/>
+          </a:prstGeom>
+          <a:ln>
+            <a:tailEnd type="triangle"/>
+          </a:ln>
+        </p:spPr>
+        <p:style>
+          <a:lnRef idx="1">
+            <a:schemeClr val="accent1"/>
+          </a:lnRef>
+          <a:fillRef idx="0">
+            <a:schemeClr val="accent1"/>
+          </a:fillRef>
+          <a:effectRef idx="0">
+            <a:schemeClr val="accent1"/>
+          </a:effectRef>
+          <a:fontRef idx="minor">
+            <a:schemeClr val="tx1"/>
+          </a:fontRef>
+        </p:style>
+      </p:cxnSp>
+      <p:cxnSp>
+        <p:nvCxnSpPr>
+          <p:cNvPr id="6" name="直接箭头连接符 5">
+            <a:extLst>
+              <a:ext uri="{FF2B5EF4-FFF2-40B4-BE49-F238E27FC236}">
+                <a16:creationId xmlns:a16="http://schemas.microsoft.com/office/drawing/2014/main" id="{9084074F-22F8-4786-91AC-5DD0E2FFAD76}"/>
+              </a:ext>
+            </a:extLst>
+          </p:cNvPr>
+          <p:cNvCxnSpPr>
+            <a:stCxn id="9" idx="3"/>
+            <a:endCxn id="11" idx="1"/>
+          </p:cNvCxnSpPr>
+          <p:nvPr/>
+        </p:nvCxnSpPr>
+        <p:spPr>
+          <a:xfrm>
+            <a:off x="3805070" y="3110256"/>
+            <a:ext cx="910946" cy="536825"/>
+          </a:xfrm>
+          <a:prstGeom prst="straightConnector1">
+            <a:avLst/>
+          </a:prstGeom>
+          <a:ln>
+            <a:tailEnd type="triangle"/>
+          </a:ln>
+        </p:spPr>
+        <p:style>
+          <a:lnRef idx="1">
+            <a:schemeClr val="accent1"/>
+          </a:lnRef>
+          <a:fillRef idx="0">
+            <a:schemeClr val="accent1"/>
+          </a:fillRef>
+          <a:effectRef idx="0">
+            <a:schemeClr val="accent1"/>
+          </a:effectRef>
+          <a:fontRef idx="minor">
+            <a:schemeClr val="tx1"/>
+          </a:fontRef>
+        </p:style>
+      </p:cxnSp>
+      <p:sp>
+        <p:nvSpPr>
+          <p:cNvPr id="8" name="文本框 7">
+            <a:extLst>
+              <a:ext uri="{FF2B5EF4-FFF2-40B4-BE49-F238E27FC236}">
+                <a16:creationId xmlns:a16="http://schemas.microsoft.com/office/drawing/2014/main" id="{4961E6A6-D24E-4742-8A38-444011B5B9FD}"/>
+              </a:ext>
+            </a:extLst>
+          </p:cNvPr>
+          <p:cNvSpPr txBox="1"/>
+          <p:nvPr/>
+        </p:nvSpPr>
+        <p:spPr>
+          <a:xfrm>
+            <a:off x="4427984" y="2139702"/>
+            <a:ext cx="184731" cy="369332"/>
+          </a:xfrm>
+          <a:prstGeom prst="rect">
+            <a:avLst/>
+          </a:prstGeom>
+          <a:noFill/>
+        </p:spPr>
+        <p:txBody>
+          <a:bodyPr wrap="none" rtlCol="0">
+            <a:spAutoFit/>
+          </a:bodyPr>
+          <a:lstStyle/>
+          <a:p>
+            <a:endParaRPr lang="zh-CN" altLang="en-US" dirty="0"/>
+          </a:p>
+        </p:txBody>
+      </p:sp>
+      <p:sp>
+        <p:nvSpPr>
+          <p:cNvPr id="19" name="文本框 18">
+            <a:extLst>
+              <a:ext uri="{FF2B5EF4-FFF2-40B4-BE49-F238E27FC236}">
+                <a16:creationId xmlns:a16="http://schemas.microsoft.com/office/drawing/2014/main" id="{4665D7DA-80A8-45D5-A712-490E9B32DDAE}"/>
+              </a:ext>
+            </a:extLst>
+          </p:cNvPr>
+          <p:cNvSpPr txBox="1"/>
+          <p:nvPr/>
+        </p:nvSpPr>
+        <p:spPr>
+          <a:xfrm>
+            <a:off x="4266782" y="2034647"/>
+            <a:ext cx="1025298" cy="261610"/>
+          </a:xfrm>
+          <a:prstGeom prst="rect">
+            <a:avLst/>
+          </a:prstGeom>
+          <a:noFill/>
+        </p:spPr>
+        <p:txBody>
+          <a:bodyPr wrap="square">
+            <a:spAutoFit/>
+          </a:bodyPr>
+          <a:lstStyle/>
+          <a:p>
+            <a:r>
+              <a:rPr lang="en-US" altLang="zh-CN" sz="1100" dirty="0">
+                <a:solidFill>
+                  <a:srgbClr val="7F7F7F"/>
+                </a:solidFill>
+                <a:latin typeface="微软雅黑" panose="020B0503020204020204" pitchFamily="34" charset="-122"/>
+                <a:ea typeface="微软雅黑" panose="020B0503020204020204" pitchFamily="34" charset="-122"/>
+              </a:rPr>
+              <a:t>Servlet</a:t>
+            </a:r>
+            <a:r>
+              <a:rPr lang="zh-CN" altLang="en-US" sz="1100" dirty="0">
+                <a:solidFill>
+                  <a:srgbClr val="7F7F7F"/>
+                </a:solidFill>
+                <a:latin typeface="微软雅黑" panose="020B0503020204020204" pitchFamily="34" charset="-122"/>
+                <a:ea typeface="微软雅黑" panose="020B0503020204020204" pitchFamily="34" charset="-122"/>
+              </a:rPr>
+              <a:t>实现</a:t>
+            </a:r>
+            <a:endParaRPr lang="zh-CN" altLang="en-US" sz="1100" dirty="0"/>
+          </a:p>
+        </p:txBody>
+      </p:sp>
+      <p:sp>
+        <p:nvSpPr>
+          <p:cNvPr id="20" name="文本框 19">
+            <a:extLst>
+              <a:ext uri="{FF2B5EF4-FFF2-40B4-BE49-F238E27FC236}">
+                <a16:creationId xmlns:a16="http://schemas.microsoft.com/office/drawing/2014/main" id="{50880477-5B39-42BC-853C-2F6301EB104A}"/>
+              </a:ext>
+            </a:extLst>
+          </p:cNvPr>
+          <p:cNvSpPr txBox="1"/>
+          <p:nvPr/>
+        </p:nvSpPr>
+        <p:spPr>
+          <a:xfrm>
+            <a:off x="3815747" y="3218278"/>
+            <a:ext cx="1025298" cy="261610"/>
+          </a:xfrm>
+          <a:prstGeom prst="rect">
+            <a:avLst/>
+          </a:prstGeom>
+          <a:noFill/>
+        </p:spPr>
+        <p:txBody>
+          <a:bodyPr wrap="square">
+            <a:spAutoFit/>
+          </a:bodyPr>
+          <a:lstStyle/>
+          <a:p>
+            <a:r>
+              <a:rPr lang="en-US" altLang="zh-CN" sz="1100" dirty="0">
+                <a:solidFill>
+                  <a:srgbClr val="7F7F7F"/>
+                </a:solidFill>
+                <a:latin typeface="微软雅黑" panose="020B0503020204020204" pitchFamily="34" charset="-122"/>
+                <a:ea typeface="微软雅黑" panose="020B0503020204020204" pitchFamily="34" charset="-122"/>
+              </a:rPr>
+              <a:t>spring</a:t>
+            </a:r>
+            <a:r>
+              <a:rPr lang="zh-CN" altLang="en-US" sz="1100" dirty="0">
+                <a:solidFill>
+                  <a:srgbClr val="7F7F7F"/>
+                </a:solidFill>
+                <a:latin typeface="微软雅黑" panose="020B0503020204020204" pitchFamily="34" charset="-122"/>
+                <a:ea typeface="微软雅黑" panose="020B0503020204020204" pitchFamily="34" charset="-122"/>
+              </a:rPr>
+              <a:t>实现</a:t>
+            </a:r>
+            <a:endParaRPr lang="zh-CN" altLang="en-US" sz="1100" dirty="0"/>
+          </a:p>
+        </p:txBody>
+      </p:sp>
+      <p:sp>
+        <p:nvSpPr>
+          <p:cNvPr id="23" name="文本框 22">
+            <a:extLst>
+              <a:ext uri="{FF2B5EF4-FFF2-40B4-BE49-F238E27FC236}">
+                <a16:creationId xmlns:a16="http://schemas.microsoft.com/office/drawing/2014/main" id="{6BDBC17B-EC06-49B1-9AC5-A4ECC842F32C}"/>
+              </a:ext>
+            </a:extLst>
+          </p:cNvPr>
+          <p:cNvSpPr txBox="1"/>
+          <p:nvPr/>
+        </p:nvSpPr>
+        <p:spPr>
+          <a:xfrm>
+            <a:off x="578202" y="920781"/>
+            <a:ext cx="1473517" cy="261610"/>
+          </a:xfrm>
+          <a:prstGeom prst="rect">
+            <a:avLst/>
+          </a:prstGeom>
+          <a:noFill/>
+        </p:spPr>
+        <p:txBody>
+          <a:bodyPr wrap="square">
+            <a:spAutoFit/>
+          </a:bodyPr>
+          <a:lstStyle/>
+          <a:p>
+            <a:r>
+              <a:rPr lang="zh-CN" altLang="en-US" sz="1100" dirty="0">
+                <a:solidFill>
+                  <a:srgbClr val="7F7F7F"/>
+                </a:solidFill>
+                <a:latin typeface="微软雅黑" panose="020B0503020204020204" pitchFamily="34" charset="-122"/>
+                <a:ea typeface="微软雅黑" panose="020B0503020204020204" pitchFamily="34" charset="-122"/>
+              </a:rPr>
+              <a:t>理想的</a:t>
+            </a:r>
+            <a:r>
+              <a:rPr lang="en-US" altLang="zh-CN" sz="1100" dirty="0">
+                <a:solidFill>
+                  <a:srgbClr val="7F7F7F"/>
+                </a:solidFill>
+                <a:latin typeface="微软雅黑" panose="020B0503020204020204" pitchFamily="34" charset="-122"/>
+                <a:ea typeface="微软雅黑" panose="020B0503020204020204" pitchFamily="34" charset="-122"/>
+              </a:rPr>
+              <a:t>MVC</a:t>
+            </a:r>
+            <a:r>
+              <a:rPr lang="zh-CN" altLang="en-US" sz="1100" dirty="0">
+                <a:solidFill>
+                  <a:srgbClr val="7F7F7F"/>
+                </a:solidFill>
+                <a:latin typeface="微软雅黑" panose="020B0503020204020204" pitchFamily="34" charset="-122"/>
+                <a:ea typeface="微软雅黑" panose="020B0503020204020204" pitchFamily="34" charset="-122"/>
+              </a:rPr>
+              <a:t>架构</a:t>
+            </a:r>
+            <a:endParaRPr lang="zh-CN" altLang="en-US" sz="1100" dirty="0"/>
+          </a:p>
+        </p:txBody>
+      </p:sp>
+    </p:spTree>
+    <p:extLst>
+      <p:ext uri="{BB962C8B-B14F-4D97-AF65-F5344CB8AC3E}">
+        <p14:creationId xmlns:p14="http://schemas.microsoft.com/office/powerpoint/2010/main" val="1532201857"/>
+      </p:ext>
+    </p:extLst>
   </p:cSld>
   <p:clrMapOvr>
     <a:masterClrMapping/>
